--- a/WebContent/doc/term04(6.1~6.30)/[6조]_term04_170706_javarajob_final.pptx
+++ b/WebContent/doc/term04(6.1~6.30)/[6조]_term04_170706_javarajob_final.pptx
@@ -232,7 +232,7 @@
           <a:p>
             <a:fld id="{AF1D9232-8709-4601-AB39-60EE652FFE53}" type="datetimeFigureOut">
               <a:rPr lang="ko-KR" altLang="en-US" smtClean="0"/>
-              <a:t>2017-07-04</a:t>
+              <a:t>2017-07-05</a:t>
             </a:fld>
             <a:endParaRPr lang="ko-KR" altLang="en-US"/>
           </a:p>
@@ -409,7 +409,7 @@
           <a:p>
             <a:fld id="{B4EF87E2-7BA6-4C54-993A-EC5B2BC820EB}" type="datetimeFigureOut">
               <a:rPr lang="ko-KR" altLang="en-US" smtClean="0"/>
-              <a:t>2017-07-04</a:t>
+              <a:t>2017-07-05</a:t>
             </a:fld>
             <a:endParaRPr lang="ko-KR" altLang="en-US"/>
           </a:p>
@@ -1083,7 +1083,7 @@
           <a:p>
             <a:fld id="{A06E70C3-0867-4119-BCBD-AB49558914A9}" type="datetimeFigureOut">
               <a:rPr lang="en-US" smtClean="0"/>
-              <a:t>7/4/2017</a:t>
+              <a:t>7/5/2017</a:t>
             </a:fld>
             <a:endParaRPr lang="en-US"/>
           </a:p>
@@ -1253,7 +1253,7 @@
           <a:p>
             <a:fld id="{A06E70C3-0867-4119-BCBD-AB49558914A9}" type="datetimeFigureOut">
               <a:rPr lang="en-US" smtClean="0"/>
-              <a:t>7/4/2017</a:t>
+              <a:t>7/5/2017</a:t>
             </a:fld>
             <a:endParaRPr lang="en-US"/>
           </a:p>
@@ -1626,7 +1626,7 @@
           <a:p>
             <a:fld id="{A06E70C3-0867-4119-BCBD-AB49558914A9}" type="datetimeFigureOut">
               <a:rPr lang="en-US" smtClean="0"/>
-              <a:t>7/4/2017</a:t>
+              <a:t>7/5/2017</a:t>
             </a:fld>
             <a:endParaRPr lang="en-US"/>
           </a:p>
@@ -1800,7 +1800,7 @@
           <a:p>
             <a:fld id="{A06E70C3-0867-4119-BCBD-AB49558914A9}" type="datetimeFigureOut">
               <a:rPr lang="en-US" smtClean="0"/>
-              <a:t>7/4/2017</a:t>
+              <a:t>7/5/2017</a:t>
             </a:fld>
             <a:endParaRPr lang="en-US"/>
           </a:p>
@@ -2022,7 +2022,7 @@
           <a:p>
             <a:fld id="{A06E70C3-0867-4119-BCBD-AB49558914A9}" type="datetimeFigureOut">
               <a:rPr lang="en-US" smtClean="0"/>
-              <a:t>7/4/2017</a:t>
+              <a:t>7/5/2017</a:t>
             </a:fld>
             <a:endParaRPr lang="en-US"/>
           </a:p>
@@ -2548,7 +2548,7 @@
           <a:p>
             <a:fld id="{A06E70C3-0867-4119-BCBD-AB49558914A9}" type="datetimeFigureOut">
               <a:rPr lang="en-US" smtClean="0"/>
-              <a:t>7/4/2017</a:t>
+              <a:t>7/5/2017</a:t>
             </a:fld>
             <a:endParaRPr lang="en-US"/>
           </a:p>
@@ -3039,7 +3039,7 @@
           <a:p>
             <a:fld id="{A06E70C3-0867-4119-BCBD-AB49558914A9}" type="datetimeFigureOut">
               <a:rPr lang="en-US" smtClean="0"/>
-              <a:t>7/4/2017</a:t>
+              <a:t>7/5/2017</a:t>
             </a:fld>
             <a:endParaRPr lang="en-US"/>
           </a:p>
@@ -3367,7 +3367,7 @@
           <a:p>
             <a:fld id="{A06E70C3-0867-4119-BCBD-AB49558914A9}" type="datetimeFigureOut">
               <a:rPr lang="en-US" smtClean="0"/>
-              <a:t>7/4/2017</a:t>
+              <a:t>7/5/2017</a:t>
             </a:fld>
             <a:endParaRPr lang="en-US"/>
           </a:p>
@@ -3751,7 +3751,7 @@
           <a:p>
             <a:fld id="{A06E70C3-0867-4119-BCBD-AB49558914A9}" type="datetimeFigureOut">
               <a:rPr lang="en-US" smtClean="0"/>
-              <a:t>7/4/2017</a:t>
+              <a:t>7/5/2017</a:t>
             </a:fld>
             <a:endParaRPr lang="en-US"/>
           </a:p>
@@ -3970,7 +3970,7 @@
           <a:p>
             <a:fld id="{A06E70C3-0867-4119-BCBD-AB49558914A9}" type="datetimeFigureOut">
               <a:rPr lang="en-US" smtClean="0"/>
-              <a:t>7/4/2017</a:t>
+              <a:t>7/5/2017</a:t>
             </a:fld>
             <a:endParaRPr lang="en-US"/>
           </a:p>
@@ -4324,7 +4324,7 @@
           <a:p>
             <a:fld id="{A06E70C3-0867-4119-BCBD-AB49558914A9}" type="datetimeFigureOut">
               <a:rPr lang="en-US" smtClean="0"/>
-              <a:t>7/4/2017</a:t>
+              <a:t>7/5/2017</a:t>
             </a:fld>
             <a:endParaRPr lang="en-US"/>
           </a:p>
@@ -4730,7 +4730,7 @@
           <a:p>
             <a:fld id="{A06E70C3-0867-4119-BCBD-AB49558914A9}" type="datetimeFigureOut">
               <a:rPr lang="en-US" smtClean="0"/>
-              <a:t>7/4/2017</a:t>
+              <a:t>7/5/2017</a:t>
             </a:fld>
             <a:endParaRPr lang="en-US"/>
           </a:p>
@@ -5313,7 +5313,7 @@
         </p:nvSpPr>
         <p:spPr>
           <a:xfrm>
-            <a:off x="4071574" y="5200777"/>
+            <a:off x="4071574" y="4884893"/>
             <a:ext cx="4139738" cy="461665"/>
           </a:xfrm>
           <a:prstGeom prst="rect">
@@ -5342,6 +5342,12 @@
             </a:r>
             <a:r>
               <a:rPr lang="ko-KR" altLang="en-US" dirty="0">
+                <a:solidFill>
+                  <a:schemeClr val="tx2">
+                    <a:lumMod val="60000"/>
+                    <a:lumOff val="40000"/>
+                  </a:schemeClr>
+                </a:solidFill>
                 <a:latin typeface="HY견고딕" panose="02030600000101010101" pitchFamily="18" charset="-127"/>
                 <a:ea typeface="HY견고딕" panose="02030600000101010101" pitchFamily="18" charset="-127"/>
               </a:rPr>
@@ -5350,7 +5356,10 @@
             <a:r>
               <a:rPr lang="en-US" altLang="ko-KR" sz="2400" dirty="0">
                 <a:solidFill>
-                  <a:schemeClr val="bg1"/>
+                  <a:schemeClr val="tx2">
+                    <a:lumMod val="60000"/>
+                    <a:lumOff val="40000"/>
+                  </a:schemeClr>
                 </a:solidFill>
                 <a:latin typeface="HY견고딕" panose="02030600000101010101" pitchFamily="18" charset="-127"/>
                 <a:ea typeface="HY견고딕" panose="02030600000101010101" pitchFamily="18" charset="-127"/>
@@ -5359,6 +5368,12 @@
             </a:r>
             <a:r>
               <a:rPr lang="ko-KR" altLang="en-US" dirty="0">
+                <a:solidFill>
+                  <a:schemeClr val="tx2">
+                    <a:lumMod val="60000"/>
+                    <a:lumOff val="40000"/>
+                  </a:schemeClr>
+                </a:solidFill>
                 <a:latin typeface="HY견고딕" panose="02030600000101010101" pitchFamily="18" charset="-127"/>
                 <a:ea typeface="HY견고딕" panose="02030600000101010101" pitchFamily="18" charset="-127"/>
               </a:rPr>
@@ -5378,6 +5393,12 @@
             </a:r>
             <a:r>
               <a:rPr lang="ko-KR" altLang="en-US" dirty="0">
+                <a:solidFill>
+                  <a:schemeClr val="tx2">
+                    <a:lumMod val="60000"/>
+                    <a:lumOff val="40000"/>
+                  </a:schemeClr>
+                </a:solidFill>
                 <a:latin typeface="HY견고딕" panose="02030600000101010101" pitchFamily="18" charset="-127"/>
                 <a:ea typeface="HY견고딕" panose="02030600000101010101" pitchFamily="18" charset="-127"/>
               </a:rPr>
@@ -5386,7 +5407,10 @@
             <a:r>
               <a:rPr lang="en-US" altLang="ko-KR" sz="2400" dirty="0">
                 <a:solidFill>
-                  <a:schemeClr val="bg1"/>
+                  <a:schemeClr val="tx2">
+                    <a:lumMod val="60000"/>
+                    <a:lumOff val="40000"/>
+                  </a:schemeClr>
                 </a:solidFill>
                 <a:latin typeface="HY견고딕" panose="02030600000101010101" pitchFamily="18" charset="-127"/>
                 <a:ea typeface="HY견고딕" panose="02030600000101010101" pitchFamily="18" charset="-127"/>
@@ -5395,6 +5419,12 @@
             </a:r>
             <a:r>
               <a:rPr lang="ko-KR" altLang="en-US" dirty="0">
+                <a:solidFill>
+                  <a:schemeClr val="tx2">
+                    <a:lumMod val="60000"/>
+                    <a:lumOff val="40000"/>
+                  </a:schemeClr>
+                </a:solidFill>
                 <a:latin typeface="HY견고딕" panose="02030600000101010101" pitchFamily="18" charset="-127"/>
                 <a:ea typeface="HY견고딕" panose="02030600000101010101" pitchFamily="18" charset="-127"/>
               </a:rPr>
@@ -5415,92 +5445,6 @@
           </a:p>
         </p:txBody>
       </p:sp>
-      <p:pic>
-        <p:nvPicPr>
-          <p:cNvPr id="6" name="그림 5">
-            <a:extLst>
-              <a:ext uri="{FF2B5EF4-FFF2-40B4-BE49-F238E27FC236}">
-                <a16:creationId xmlns:a16="http://schemas.microsoft.com/office/drawing/2014/main" id="{E365019F-8C8B-4917-8D39-DE7B122AE686}"/>
-              </a:ext>
-            </a:extLst>
-          </p:cNvPr>
-          <p:cNvPicPr>
-            <a:picLocks noChangeAspect="1"/>
-          </p:cNvPicPr>
-          <p:nvPr/>
-        </p:nvPicPr>
-        <p:blipFill>
-          <a:blip r:embed="rId2">
-            <a:duotone>
-              <a:prstClr val="black"/>
-              <a:srgbClr val="7030A0">
-                <a:tint val="45000"/>
-                <a:satMod val="400000"/>
-              </a:srgbClr>
-            </a:duotone>
-            <a:extLst>
-              <a:ext uri="{28A0092B-C50C-407E-A947-70E740481C1C}">
-                <a14:useLocalDpi xmlns:a14="http://schemas.microsoft.com/office/drawing/2010/main" val="0"/>
-              </a:ext>
-            </a:extLst>
-          </a:blip>
-          <a:stretch>
-            <a:fillRect/>
-          </a:stretch>
-        </p:blipFill>
-        <p:spPr>
-          <a:xfrm>
-            <a:off x="5182454" y="5277032"/>
-            <a:ext cx="385410" cy="385410"/>
-          </a:xfrm>
-          <a:prstGeom prst="rect">
-            <a:avLst/>
-          </a:prstGeom>
-        </p:spPr>
-      </p:pic>
-      <p:pic>
-        <p:nvPicPr>
-          <p:cNvPr id="7" name="그림 6">
-            <a:extLst>
-              <a:ext uri="{FF2B5EF4-FFF2-40B4-BE49-F238E27FC236}">
-                <a16:creationId xmlns:a16="http://schemas.microsoft.com/office/drawing/2014/main" id="{94B58F47-3AD4-47D6-9A76-CEEAD13AC794}"/>
-              </a:ext>
-            </a:extLst>
-          </p:cNvPr>
-          <p:cNvPicPr>
-            <a:picLocks noChangeAspect="1"/>
-          </p:cNvPicPr>
-          <p:nvPr/>
-        </p:nvPicPr>
-        <p:blipFill>
-          <a:blip r:embed="rId2">
-            <a:duotone>
-              <a:prstClr val="black"/>
-              <a:srgbClr val="7030A0">
-                <a:tint val="45000"/>
-                <a:satMod val="400000"/>
-              </a:srgbClr>
-            </a:duotone>
-            <a:extLst>
-              <a:ext uri="{28A0092B-C50C-407E-A947-70E740481C1C}">
-                <a14:useLocalDpi xmlns:a14="http://schemas.microsoft.com/office/drawing/2010/main" val="0"/>
-              </a:ext>
-            </a:extLst>
-          </a:blip>
-          <a:stretch>
-            <a:fillRect/>
-          </a:stretch>
-        </p:blipFill>
-        <p:spPr>
-          <a:xfrm>
-            <a:off x="6746760" y="5277032"/>
-            <a:ext cx="385410" cy="385410"/>
-          </a:xfrm>
-          <a:prstGeom prst="rect">
-            <a:avLst/>
-          </a:prstGeom>
-        </p:spPr>
-      </p:pic>
     </p:spTree>
     <p:extLst>
       <p:ext uri="{BB962C8B-B14F-4D97-AF65-F5344CB8AC3E}">
@@ -6945,10 +6889,10 @@
       </p:sp>
       <p:pic>
         <p:nvPicPr>
-          <p:cNvPr id="7" name="그림 6" descr="스크린샷이(가) 표시된 사진&#10;&#10;매우 높은 신뢰도로 생성된 설명">
+          <p:cNvPr id="3" name="그림 2">
             <a:extLst>
               <a:ext uri="{FF2B5EF4-FFF2-40B4-BE49-F238E27FC236}">
-                <a16:creationId xmlns:a16="http://schemas.microsoft.com/office/drawing/2014/main" id="{5EA3205C-0081-43B2-A99B-3992A99CAFC5}"/>
+                <a16:creationId xmlns:a16="http://schemas.microsoft.com/office/drawing/2014/main" id="{F1B952AF-EEAB-40AB-92D8-CC6553431339}"/>
               </a:ext>
             </a:extLst>
           </p:cNvPr>
@@ -6958,20 +6902,14 @@
           <p:nvPr/>
         </p:nvPicPr>
         <p:blipFill rotWithShape="1">
-          <a:blip r:embed="rId2">
-            <a:extLst>
-              <a:ext uri="{28A0092B-C50C-407E-A947-70E740481C1C}">
-                <a14:useLocalDpi xmlns:a14="http://schemas.microsoft.com/office/drawing/2010/main" val="0"/>
-              </a:ext>
-            </a:extLst>
-          </a:blip>
-          <a:srcRect r="909"/>
+          <a:blip r:embed="rId2"/>
+          <a:srcRect r="1016"/>
           <a:stretch/>
         </p:blipFill>
         <p:spPr>
           <a:xfrm>
-            <a:off x="41563" y="1499616"/>
-            <a:ext cx="9060873" cy="5143500"/>
+            <a:off x="272241" y="1762299"/>
+            <a:ext cx="8599517" cy="4886843"/>
           </a:xfrm>
           <a:prstGeom prst="rect">
             <a:avLst/>
